--- a/Seguridad Informatica.pptx
+++ b/Seguridad Informatica.pptx
@@ -5,10 +5,10 @@
     <p:sldMasterId id="2147483660" r:id="rId4"/>
   </p:sldMasterIdLst>
   <p:notesMasterIdLst>
-    <p:notesMasterId r:id="rId16"/>
+    <p:notesMasterId r:id="rId18"/>
   </p:notesMasterIdLst>
   <p:handoutMasterIdLst>
-    <p:handoutMasterId r:id="rId17"/>
+    <p:handoutMasterId r:id="rId19"/>
   </p:handoutMasterIdLst>
   <p:sldIdLst>
     <p:sldId id="257" r:id="rId5"/>
@@ -21,7 +21,9 @@
     <p:sldId id="262" r:id="rId12"/>
     <p:sldId id="263" r:id="rId13"/>
     <p:sldId id="271" r:id="rId14"/>
-    <p:sldId id="265" r:id="rId15"/>
+    <p:sldId id="272" r:id="rId15"/>
+    <p:sldId id="273" r:id="rId16"/>
+    <p:sldId id="265" r:id="rId17"/>
   </p:sldIdLst>
   <p:sldSz cx="12188825" cy="6858000"/>
   <p:notesSz cx="6858000" cy="9144000"/>
@@ -237,7 +239,7 @@
             <a:pPr algn="r" rtl="0"/>
             <a:fld id="{C8F1D84B-F747-4821-8617-FBD61E8F4308}" type="datetime1">
               <a:rPr lang="es-ES" smtClean="0"/>
-              <a:t>17/12/2024</a:t>
+              <a:t>19/12/2024</a:t>
             </a:fld>
             <a:endParaRPr lang="es-ES" dirty="0"/>
           </a:p>
@@ -407,7 +409,7 @@
             <a:fld id="{DA87C823-BB9F-45DA-99AB-416A32E1B948}" type="datetime1">
               <a:rPr lang="es-ES" noProof="0" smtClean="0"/>
               <a:pPr/>
-              <a:t>17/12/2024</a:t>
+              <a:t>19/12/2024</a:t>
             </a:fld>
             <a:endParaRPr lang="es-ES" noProof="0" dirty="0"/>
           </a:p>
@@ -913,7 +915,7 @@
             <a:fld id="{3EBA5BD7-F043-4D1B-AA17-CD412FC534DE}" type="slidenum">
               <a:rPr lang="es-ES" smtClean="0"/>
               <a:pPr/>
-              <a:t>11</a:t>
+              <a:t>13</a:t>
             </a:fld>
             <a:endParaRPr lang="es-ES" dirty="0"/>
           </a:p>
@@ -2376,7 +2378,7 @@
             <a:fld id="{A042E67D-14C0-4ED9-A218-9C14494A6A84}" type="datetime1">
               <a:rPr lang="es-ES" noProof="0" smtClean="0"/>
               <a:pPr/>
-              <a:t>17/12/2024</a:t>
+              <a:t>19/12/2024</a:t>
             </a:fld>
             <a:endParaRPr lang="es-ES" noProof="0" dirty="0"/>
           </a:p>
@@ -2586,7 +2588,7 @@
             <a:fld id="{40A1DB83-C382-4684-8887-65A03EA4FFF0}" type="datetime1">
               <a:rPr lang="es-ES" noProof="0" smtClean="0"/>
               <a:pPr/>
-              <a:t>17/12/2024</a:t>
+              <a:t>19/12/2024</a:t>
             </a:fld>
             <a:endParaRPr lang="es-ES" noProof="0" dirty="0"/>
           </a:p>
@@ -2802,7 +2804,7 @@
             <a:fld id="{C60E81D3-9B82-44CA-B1F9-FCEFDC87935B}" type="datetime1">
               <a:rPr lang="es-ES" noProof="0" smtClean="0"/>
               <a:pPr/>
-              <a:t>17/12/2024</a:t>
+              <a:t>19/12/2024</a:t>
             </a:fld>
             <a:endParaRPr lang="es-ES" noProof="0" dirty="0"/>
           </a:p>
@@ -3008,7 +3010,7 @@
             <a:fld id="{82E48AAE-5AE8-418A-A225-B506C222F2F9}" type="datetime1">
               <a:rPr lang="es-ES" noProof="0" smtClean="0"/>
               <a:pPr/>
-              <a:t>17/12/2024</a:t>
+              <a:t>19/12/2024</a:t>
             </a:fld>
             <a:endParaRPr lang="es-ES" noProof="0" dirty="0"/>
           </a:p>
@@ -3448,7 +3450,7 @@
             <a:fld id="{AA1D35CA-82F5-4AD4-B9EC-66E805B73542}" type="datetime1">
               <a:rPr lang="es-ES" noProof="0" smtClean="0"/>
               <a:pPr/>
-              <a:t>17/12/2024</a:t>
+              <a:t>19/12/2024</a:t>
             </a:fld>
             <a:endParaRPr lang="es-ES" noProof="0" dirty="0"/>
           </a:p>
@@ -3760,7 +3762,7 @@
             <a:fld id="{834CCE92-710B-4678-B1B1-EFCAA5CDF075}" type="datetime1">
               <a:rPr lang="es-ES" noProof="0" smtClean="0"/>
               <a:pPr/>
-              <a:t>17/12/2024</a:t>
+              <a:t>19/12/2024</a:t>
             </a:fld>
             <a:endParaRPr lang="es-ES" noProof="0" dirty="0"/>
           </a:p>
@@ -4224,7 +4226,7 @@
             <a:fld id="{83FB0F2C-25D9-4D7E-B43A-29A2E16C960D}" type="datetime1">
               <a:rPr lang="es-ES" noProof="0" smtClean="0"/>
               <a:pPr/>
-              <a:t>17/12/2024</a:t>
+              <a:t>19/12/2024</a:t>
             </a:fld>
             <a:endParaRPr lang="es-ES" noProof="0" dirty="0"/>
           </a:p>
@@ -4362,7 +4364,7 @@
             <a:fld id="{FD34687D-B11B-47A5-95F6-B79DA932A6DF}" type="datetime1">
               <a:rPr lang="es-ES" noProof="0" smtClean="0"/>
               <a:pPr/>
-              <a:t>17/12/2024</a:t>
+              <a:t>19/12/2024</a:t>
             </a:fld>
             <a:endParaRPr lang="es-ES" noProof="0" dirty="0"/>
           </a:p>
@@ -4476,7 +4478,7 @@
             <a:fld id="{93C656DE-1E46-4450-9484-A739B4FADFBC}" type="datetime1">
               <a:rPr lang="es-ES" noProof="0" smtClean="0"/>
               <a:pPr/>
-              <a:t>17/12/2024</a:t>
+              <a:t>19/12/2024</a:t>
             </a:fld>
             <a:endParaRPr lang="es-ES" noProof="0" dirty="0"/>
           </a:p>
@@ -4783,7 +4785,7 @@
             <a:fld id="{EEA77F8B-D469-4ECD-B91E-3B01AD692331}" type="datetime1">
               <a:rPr lang="es-ES" noProof="0" smtClean="0"/>
               <a:pPr/>
-              <a:t>17/12/2024</a:t>
+              <a:t>19/12/2024</a:t>
             </a:fld>
             <a:endParaRPr lang="es-ES" noProof="0" dirty="0"/>
           </a:p>
@@ -5080,7 +5082,7 @@
             <a:fld id="{49BA7B1C-709E-4257-93A5-EC2F0807D42F}" type="datetime1">
               <a:rPr lang="es-ES" noProof="0" smtClean="0"/>
               <a:pPr/>
-              <a:t>17/12/2024</a:t>
+              <a:t>19/12/2024</a:t>
             </a:fld>
             <a:endParaRPr lang="es-ES" noProof="0" dirty="0"/>
           </a:p>
@@ -5704,7 +5706,7 @@
             <a:fld id="{35C83AD5-F5AF-4BDC-901E-85A05CCFFAAA}" type="datetime1">
               <a:rPr lang="es-ES" noProof="0" smtClean="0"/>
               <a:pPr/>
-              <a:t>17/12/2024</a:t>
+              <a:t>19/12/2024</a:t>
             </a:fld>
             <a:endParaRPr lang="es-ES" noProof="0" dirty="0"/>
           </a:p>
@@ -6282,6 +6284,42 @@
           </a:p>
         </p:txBody>
       </p:sp>
+      <p:pic>
+        <p:nvPicPr>
+          <p:cNvPr id="6" name="Imagen 5" descr="Icono&#10;&#10;Descripción generada automáticamente">
+            <a:extLst>
+              <a:ext uri="{FF2B5EF4-FFF2-40B4-BE49-F238E27FC236}">
+                <a16:creationId xmlns:a16="http://schemas.microsoft.com/office/drawing/2014/main" id="{71AA4B20-F2AD-8F4D-5435-4704BFEBD56B}"/>
+              </a:ext>
+            </a:extLst>
+          </p:cNvPr>
+          <p:cNvPicPr>
+            <a:picLocks noChangeAspect="1"/>
+          </p:cNvPicPr>
+          <p:nvPr/>
+        </p:nvPicPr>
+        <p:blipFill>
+          <a:blip r:embed="rId3" cstate="print">
+            <a:extLst>
+              <a:ext uri="{28A0092B-C50C-407E-A947-70E740481C1C}">
+                <a14:useLocalDpi xmlns:a14="http://schemas.microsoft.com/office/drawing/2010/main" val="0"/>
+              </a:ext>
+            </a:extLst>
+          </a:blip>
+          <a:stretch>
+            <a:fillRect/>
+          </a:stretch>
+        </p:blipFill>
+        <p:spPr>
+          <a:xfrm>
+            <a:off x="5446340" y="3789040"/>
+            <a:ext cx="1755285" cy="2791240"/>
+          </a:xfrm>
+          <a:prstGeom prst="rect">
+            <a:avLst/>
+          </a:prstGeom>
+        </p:spPr>
+      </p:pic>
     </p:spTree>
     <p:extLst>
       <p:ext uri="{BB962C8B-B14F-4D97-AF65-F5344CB8AC3E}">
@@ -6388,7 +6426,7 @@
             </a:r>
             <a:r>
               <a:rPr lang="es-ES" dirty="0"/>
-              <a:t>Al menos 12 caracteres, combinando letras mayúsculas, minúsculas, números y símbolos.</a:t>
+              <a:t>Al menos 10 caracteres, combinando letras mayúsculas, minúsculas, números y símbolos.</a:t>
             </a:r>
           </a:p>
           <a:p>
@@ -6640,6 +6678,258 @@
       </p:grpSpPr>
       <p:sp>
         <p:nvSpPr>
+          <p:cNvPr id="2" name="Título 1">
+            <a:extLst>
+              <a:ext uri="{FF2B5EF4-FFF2-40B4-BE49-F238E27FC236}">
+                <a16:creationId xmlns:a16="http://schemas.microsoft.com/office/drawing/2014/main" id="{8D604E9E-7533-530D-1019-B4B1ECD958D5}"/>
+              </a:ext>
+            </a:extLst>
+          </p:cNvPr>
+          <p:cNvSpPr>
+            <a:spLocks noGrp="1"/>
+          </p:cNvSpPr>
+          <p:nvPr>
+            <p:ph type="title"/>
+          </p:nvPr>
+        </p:nvSpPr>
+        <p:spPr>
+          <a:xfrm>
+            <a:off x="1218883" y="274637"/>
+            <a:ext cx="10360501" cy="1223963"/>
+          </a:xfrm>
+        </p:spPr>
+        <p:txBody>
+          <a:bodyPr anchor="b">
+            <a:normAutofit/>
+          </a:bodyPr>
+          <a:lstStyle/>
+          <a:p>
+            <a:pPr algn="ctr"/>
+            <a:r>
+              <a:rPr lang="es-CL" dirty="0"/>
+              <a:t>Antivirus McAfee</a:t>
+            </a:r>
+          </a:p>
+        </p:txBody>
+      </p:sp>
+      <p:pic>
+        <p:nvPicPr>
+          <p:cNvPr id="1026" name="Picture 2" descr="McAfee">
+            <a:extLst>
+              <a:ext uri="{FF2B5EF4-FFF2-40B4-BE49-F238E27FC236}">
+                <a16:creationId xmlns:a16="http://schemas.microsoft.com/office/drawing/2014/main" id="{EB8A811E-05EB-909D-EA71-4F0B9D431C9F}"/>
+              </a:ext>
+            </a:extLst>
+          </p:cNvPr>
+          <p:cNvPicPr>
+            <a:picLocks noChangeAspect="1" noChangeArrowheads="1"/>
+          </p:cNvPicPr>
+          <p:nvPr/>
+        </p:nvPicPr>
+        <p:blipFill>
+          <a:blip r:embed="rId2">
+            <a:extLst>
+              <a:ext uri="{28A0092B-C50C-407E-A947-70E740481C1C}">
+                <a14:useLocalDpi xmlns:a14="http://schemas.microsoft.com/office/drawing/2010/main" val="0"/>
+              </a:ext>
+            </a:extLst>
+          </a:blip>
+          <a:stretch>
+            <a:fillRect/>
+          </a:stretch>
+        </p:blipFill>
+        <p:spPr bwMode="auto">
+          <a:xfrm>
+            <a:off x="3043922" y="1531062"/>
+            <a:ext cx="6710422" cy="4680520"/>
+          </a:xfrm>
+          <a:prstGeom prst="rect">
+            <a:avLst/>
+          </a:prstGeom>
+          <a:solidFill>
+            <a:srgbClr val="FFFFFF"/>
+          </a:solidFill>
+        </p:spPr>
+      </p:pic>
+    </p:spTree>
+    <p:extLst>
+      <p:ext uri="{BB962C8B-B14F-4D97-AF65-F5344CB8AC3E}">
+        <p14:creationId xmlns:p14="http://schemas.microsoft.com/office/powerpoint/2010/main" val="463685018"/>
+      </p:ext>
+    </p:extLst>
+  </p:cSld>
+  <p:clrMapOvr>
+    <a:masterClrMapping/>
+  </p:clrMapOvr>
+  <mc:AlternateContent xmlns:mc="http://schemas.openxmlformats.org/markup-compatibility/2006" xmlns:p14="http://schemas.microsoft.com/office/powerpoint/2010/main">
+    <mc:Choice Requires="p14">
+      <p:transition spd="med" p14:dur="700">
+        <p:fade/>
+      </p:transition>
+    </mc:Choice>
+    <mc:Fallback xmlns="">
+      <p:transition spd="med">
+        <p:fade/>
+      </p:transition>
+    </mc:Fallback>
+  </mc:AlternateContent>
+</p:sld>
+</file>
+
+<file path=ppt/slides/slide12.xml><?xml version="1.0" encoding="utf-8"?>
+<p:sld xmlns:a="http://schemas.openxmlformats.org/drawingml/2006/main" xmlns:r="http://schemas.openxmlformats.org/officeDocument/2006/relationships" xmlns:p="http://schemas.openxmlformats.org/presentationml/2006/main">
+  <p:cSld>
+    <p:spTree>
+      <p:nvGrpSpPr>
+        <p:cNvPr id="1" name=""/>
+        <p:cNvGrpSpPr/>
+        <p:nvPr/>
+      </p:nvGrpSpPr>
+      <p:grpSpPr>
+        <a:xfrm>
+          <a:off x="0" y="0"/>
+          <a:ext cx="0" cy="0"/>
+          <a:chOff x="0" y="0"/>
+          <a:chExt cx="0" cy="0"/>
+        </a:xfrm>
+      </p:grpSpPr>
+      <p:sp>
+        <p:nvSpPr>
+          <p:cNvPr id="2" name="Título 1">
+            <a:extLst>
+              <a:ext uri="{FF2B5EF4-FFF2-40B4-BE49-F238E27FC236}">
+                <a16:creationId xmlns:a16="http://schemas.microsoft.com/office/drawing/2014/main" id="{94B1D994-AE51-F73E-1348-FDF990393D12}"/>
+              </a:ext>
+            </a:extLst>
+          </p:cNvPr>
+          <p:cNvSpPr>
+            <a:spLocks noGrp="1"/>
+          </p:cNvSpPr>
+          <p:nvPr>
+            <p:ph type="title"/>
+          </p:nvPr>
+        </p:nvSpPr>
+        <p:spPr/>
+        <p:txBody>
+          <a:bodyPr/>
+          <a:lstStyle/>
+          <a:p>
+            <a:pPr algn="ctr"/>
+            <a:r>
+              <a:rPr lang="es-CL" dirty="0"/>
+              <a:t>Antivirus McAfee</a:t>
+            </a:r>
+          </a:p>
+        </p:txBody>
+      </p:sp>
+      <p:pic>
+        <p:nvPicPr>
+          <p:cNvPr id="5" name="Marcador de contenido 4">
+            <a:extLst>
+              <a:ext uri="{FF2B5EF4-FFF2-40B4-BE49-F238E27FC236}">
+                <a16:creationId xmlns:a16="http://schemas.microsoft.com/office/drawing/2014/main" id="{B2100625-9D0D-E711-58DE-C75DDB06AD0D}"/>
+              </a:ext>
+            </a:extLst>
+          </p:cNvPr>
+          <p:cNvPicPr>
+            <a:picLocks noGrp="1" noChangeAspect="1"/>
+          </p:cNvPicPr>
+          <p:nvPr>
+            <p:ph idx="1"/>
+          </p:nvPr>
+        </p:nvPicPr>
+        <p:blipFill>
+          <a:blip r:embed="rId2"/>
+          <a:stretch>
+            <a:fillRect/>
+          </a:stretch>
+        </p:blipFill>
+        <p:spPr>
+          <a:xfrm>
+            <a:off x="5230316" y="1628800"/>
+            <a:ext cx="5992061" cy="4105848"/>
+          </a:xfrm>
+        </p:spPr>
+      </p:pic>
+      <p:sp>
+        <p:nvSpPr>
+          <p:cNvPr id="6" name="CuadroTexto 5">
+            <a:extLst>
+              <a:ext uri="{FF2B5EF4-FFF2-40B4-BE49-F238E27FC236}">
+                <a16:creationId xmlns:a16="http://schemas.microsoft.com/office/drawing/2014/main" id="{6185C6C7-A950-B55B-6DD7-2666CF1B6BBA}"/>
+              </a:ext>
+            </a:extLst>
+          </p:cNvPr>
+          <p:cNvSpPr txBox="1"/>
+          <p:nvPr/>
+        </p:nvSpPr>
+        <p:spPr>
+          <a:xfrm>
+            <a:off x="1218883" y="1988840"/>
+            <a:ext cx="3435369" cy="2246769"/>
+          </a:xfrm>
+          <a:prstGeom prst="rect">
+            <a:avLst/>
+          </a:prstGeom>
+          <a:noFill/>
+        </p:spPr>
+        <p:txBody>
+          <a:bodyPr wrap="square" rtlCol="0">
+            <a:spAutoFit/>
+          </a:bodyPr>
+          <a:lstStyle/>
+          <a:p>
+            <a:r>
+              <a:rPr lang="es-CL" sz="2800" dirty="0"/>
+              <a:t>En el caso de salir esto, deben consultarlo al soporte informático de MEDIMEL</a:t>
+            </a:r>
+          </a:p>
+        </p:txBody>
+      </p:sp>
+    </p:spTree>
+    <p:extLst>
+      <p:ext uri="{BB962C8B-B14F-4D97-AF65-F5344CB8AC3E}">
+        <p14:creationId xmlns:p14="http://schemas.microsoft.com/office/powerpoint/2010/main" val="352067365"/>
+      </p:ext>
+    </p:extLst>
+  </p:cSld>
+  <p:clrMapOvr>
+    <a:masterClrMapping/>
+  </p:clrMapOvr>
+  <mc:AlternateContent xmlns:mc="http://schemas.openxmlformats.org/markup-compatibility/2006" xmlns:p14="http://schemas.microsoft.com/office/powerpoint/2010/main">
+    <mc:Choice Requires="p14">
+      <p:transition spd="med" p14:dur="700">
+        <p:fade/>
+      </p:transition>
+    </mc:Choice>
+    <mc:Fallback xmlns="">
+      <p:transition spd="med">
+        <p:fade/>
+      </p:transition>
+    </mc:Fallback>
+  </mc:AlternateContent>
+</p:sld>
+</file>
+
+<file path=ppt/slides/slide13.xml><?xml version="1.0" encoding="utf-8"?>
+<p:sld xmlns:a="http://schemas.openxmlformats.org/drawingml/2006/main" xmlns:r="http://schemas.openxmlformats.org/officeDocument/2006/relationships" xmlns:p="http://schemas.openxmlformats.org/presentationml/2006/main">
+  <p:cSld>
+    <p:spTree>
+      <p:nvGrpSpPr>
+        <p:cNvPr id="1" name=""/>
+        <p:cNvGrpSpPr/>
+        <p:nvPr/>
+      </p:nvGrpSpPr>
+      <p:grpSpPr>
+        <a:xfrm>
+          <a:off x="0" y="0"/>
+          <a:ext cx="0" cy="0"/>
+          <a:chOff x="0" y="0"/>
+          <a:chExt cx="0" cy="0"/>
+        </a:xfrm>
+      </p:grpSpPr>
+      <p:sp>
+        <p:nvSpPr>
           <p:cNvPr id="7" name="CuadroTexto 6">
             <a:extLst>
               <a:ext uri="{FF2B5EF4-FFF2-40B4-BE49-F238E27FC236}">
@@ -7550,12 +7840,9 @@
             <a:endParaRPr lang="en-US" dirty="0"/>
           </a:p>
           <a:p>
-            <a:endParaRPr lang="en-US" dirty="0"/>
-          </a:p>
-          <a:p>
-            <a:endParaRPr lang="en-US" dirty="0"/>
-          </a:p>
-          <a:p>
+            <a:pPr marL="0" indent="0">
+              <a:buNone/>
+            </a:pPr>
             <a:r>
               <a:rPr lang="en-US" sz="4000" dirty="0"/>
               <a:t>PHISHING</a:t>
@@ -7592,8 +7879,8 @@
         </p:blipFill>
         <p:spPr>
           <a:xfrm>
-            <a:off x="6500707" y="2780928"/>
-            <a:ext cx="5282337" cy="3391272"/>
+            <a:off x="6387829" y="1733364"/>
+            <a:ext cx="5108724" cy="3279812"/>
           </a:xfrm>
           <a:noFill/>
         </p:spPr>
@@ -7612,7 +7899,7 @@
         </p:nvSpPr>
         <p:spPr>
           <a:xfrm>
-            <a:off x="4222204" y="3429000"/>
+            <a:off x="3950320" y="2204864"/>
             <a:ext cx="2128305" cy="864096"/>
           </a:xfrm>
           <a:prstGeom prst="rightArrow">
@@ -7641,6 +7928,86 @@
           <a:p>
             <a:pPr algn="ctr"/>
             <a:endParaRPr lang="es-CL" sz="2800"/>
+          </a:p>
+        </p:txBody>
+      </p:sp>
+      <p:sp>
+        <p:nvSpPr>
+          <p:cNvPr id="3" name="Rectángulo: esquinas redondeadas 2">
+            <a:extLst>
+              <a:ext uri="{FF2B5EF4-FFF2-40B4-BE49-F238E27FC236}">
+                <a16:creationId xmlns:a16="http://schemas.microsoft.com/office/drawing/2014/main" id="{BA5303A8-F196-1740-C2F2-88A6B6776FA9}"/>
+              </a:ext>
+            </a:extLst>
+          </p:cNvPr>
+          <p:cNvSpPr/>
+          <p:nvPr/>
+        </p:nvSpPr>
+        <p:spPr>
+          <a:xfrm>
+            <a:off x="472403" y="3510785"/>
+            <a:ext cx="5622009" cy="2324978"/>
+          </a:xfrm>
+          <a:prstGeom prst="roundRect">
+            <a:avLst/>
+          </a:prstGeom>
+        </p:spPr>
+        <p:style>
+          <a:lnRef idx="2">
+            <a:schemeClr val="accent1">
+              <a:shade val="50000"/>
+            </a:schemeClr>
+          </a:lnRef>
+          <a:fillRef idx="1">
+            <a:schemeClr val="accent1"/>
+          </a:fillRef>
+          <a:effectRef idx="0">
+            <a:schemeClr val="accent1"/>
+          </a:effectRef>
+          <a:fontRef idx="minor">
+            <a:schemeClr val="lt1"/>
+          </a:fontRef>
+        </p:style>
+        <p:txBody>
+          <a:bodyPr rtlCol="0" anchor="ctr"/>
+          <a:lstStyle/>
+          <a:p>
+            <a:pPr algn="ctr"/>
+            <a:r>
+              <a:rPr lang="es-CL" sz="2800" dirty="0"/>
+              <a:t>Recomendaciones: </a:t>
+            </a:r>
+          </a:p>
+          <a:p>
+            <a:pPr marL="342900" indent="-342900" algn="ctr">
+              <a:buFontTx/>
+              <a:buChar char="-"/>
+            </a:pPr>
+            <a:r>
+              <a:rPr lang="es-CL" sz="2000" dirty="0"/>
+              <a:t>No Proporciones Información Personal</a:t>
+            </a:r>
+          </a:p>
+          <a:p>
+            <a:pPr marL="342900" indent="-342900" algn="ctr">
+              <a:buFontTx/>
+              <a:buChar char="-"/>
+            </a:pPr>
+            <a:r>
+              <a:rPr lang="es-CL" sz="2000" dirty="0"/>
+              <a:t>Usar la doble autentificación(2FA)</a:t>
+            </a:r>
+          </a:p>
+          <a:p>
+            <a:pPr marL="342900" indent="-342900" algn="ctr">
+              <a:buFontTx/>
+              <a:buChar char="-"/>
+            </a:pPr>
+            <a:r>
+              <a:rPr lang="es-CL" sz="2000" dirty="0"/>
+              <a:t>No abrir correos electrónicos de remitentes desconocidos ni hagas clic en enlaces o descargues archivos adjuntos de correos sospechosos.</a:t>
+            </a:r>
+            <a:endParaRPr lang="es-CL" sz="2800" dirty="0"/>
           </a:p>
         </p:txBody>
       </p:sp>
@@ -7700,8 +8067,8 @@
         </p:nvSpPr>
         <p:spPr>
           <a:xfrm>
-            <a:off x="1125860" y="620688"/>
-            <a:ext cx="9361040" cy="4401205"/>
+            <a:off x="621804" y="279051"/>
+            <a:ext cx="9361040" cy="6555641"/>
           </a:xfrm>
           <a:prstGeom prst="rect">
             <a:avLst/>
@@ -7778,6 +8145,18 @@
               <a:rPr lang="es-CL" sz="2800" dirty="0"/>
               <a:t> </a:t>
             </a:r>
+          </a:p>
+          <a:p>
+            <a:endParaRPr lang="es-CL" sz="2800" dirty="0"/>
+          </a:p>
+          <a:p>
+            <a:r>
+              <a:rPr lang="es-CL" sz="2800" dirty="0"/>
+              <a:t>	Recomendación: Evitar abrir enlaces o descargar 	archivos de correos electrónicos, desconocidos o 	sospechosos.</a:t>
+            </a:r>
+          </a:p>
+          <a:p>
+            <a:endParaRPr lang="es-CL" sz="2800" dirty="0"/>
           </a:p>
         </p:txBody>
       </p:sp>
@@ -7863,6 +8242,51 @@
           </a:prstGeom>
         </p:spPr>
       </p:pic>
+      <p:sp>
+        <p:nvSpPr>
+          <p:cNvPr id="4" name="Rectángulo: esquinas redondeadas 3">
+            <a:extLst>
+              <a:ext uri="{FF2B5EF4-FFF2-40B4-BE49-F238E27FC236}">
+                <a16:creationId xmlns:a16="http://schemas.microsoft.com/office/drawing/2014/main" id="{D0485C35-C8F7-01A7-E5EC-B28E600E7B56}"/>
+              </a:ext>
+            </a:extLst>
+          </p:cNvPr>
+          <p:cNvSpPr/>
+          <p:nvPr/>
+        </p:nvSpPr>
+        <p:spPr>
+          <a:xfrm>
+            <a:off x="1701924" y="4824734"/>
+            <a:ext cx="7488832" cy="1570304"/>
+          </a:xfrm>
+          <a:prstGeom prst="roundRect">
+            <a:avLst/>
+          </a:prstGeom>
+          <a:noFill/>
+        </p:spPr>
+        <p:style>
+          <a:lnRef idx="1">
+            <a:schemeClr val="accent1"/>
+          </a:lnRef>
+          <a:fillRef idx="2">
+            <a:schemeClr val="accent1"/>
+          </a:fillRef>
+          <a:effectRef idx="1">
+            <a:schemeClr val="accent1"/>
+          </a:effectRef>
+          <a:fontRef idx="minor">
+            <a:schemeClr val="dk1"/>
+          </a:fontRef>
+        </p:style>
+        <p:txBody>
+          <a:bodyPr rtlCol="0" anchor="ctr"/>
+          <a:lstStyle/>
+          <a:p>
+            <a:pPr algn="ctr"/>
+            <a:endParaRPr lang="es-CL" sz="2800"/>
+          </a:p>
+        </p:txBody>
+      </p:sp>
     </p:spTree>
     <p:extLst>
       <p:ext uri="{BB962C8B-B14F-4D97-AF65-F5344CB8AC3E}">
@@ -9420,6 +9844,15 @@
 </file>
 
 <file path=customXml/item1.xml><?xml version="1.0" encoding="utf-8"?>
+<?mso-contentType ?>
+<FormTemplates xmlns="http://schemas.microsoft.com/sharepoint/v3/contenttype/forms">
+  <Display>DocumentLibraryForm</Display>
+  <Edit>AssetEditForm</Edit>
+  <New>DocumentLibraryForm</New>
+</FormTemplates>
+</file>
+
+<file path=customXml/item2.xml><?xml version="1.0" encoding="utf-8"?>
 <p:properties xmlns:p="http://schemas.microsoft.com/office/2006/metadata/properties" xmlns:xsi="http://www.w3.org/2001/XMLSchema-instance" xmlns:pc="http://schemas.microsoft.com/office/infopath/2007/PartnerControls">
   <documentManagement>
     <LocPublishedLinkedAssetsLookup xmlns="4873beb7-5857-4685-be1f-d57550cc96cc" xsi:nil="true"/>
@@ -9553,15 +9986,6 @@
     <LocMarketGroupTiers2 xmlns="4873beb7-5857-4685-be1f-d57550cc96cc" xsi:nil="true"/>
   </documentManagement>
 </p:properties>
-</file>
-
-<file path=customXml/item2.xml><?xml version="1.0" encoding="utf-8"?>
-<?mso-contentType ?>
-<FormTemplates xmlns="http://schemas.microsoft.com/sharepoint/v3/contenttype/forms">
-  <Display>DocumentLibraryForm</Display>
-  <Edit>AssetEditForm</Edit>
-  <New>DocumentLibraryForm</New>
-</FormTemplates>
 </file>
 
 <file path=customXml/item3.xml><?xml version="1.0" encoding="utf-8"?>
@@ -10605,6 +11029,14 @@
 </file>
 
 <file path=customXml/itemProps1.xml><?xml version="1.0" encoding="utf-8"?>
+<ds:datastoreItem xmlns:ds="http://schemas.openxmlformats.org/officeDocument/2006/customXml" ds:itemID="{3836F65B-1B07-41EE-A0E8-BC6EF3855225}">
+  <ds:schemaRefs>
+    <ds:schemaRef ds:uri="http://schemas.microsoft.com/sharepoint/v3/contenttype/forms"/>
+  </ds:schemaRefs>
+</ds:datastoreItem>
+</file>
+
+<file path=customXml/itemProps2.xml><?xml version="1.0" encoding="utf-8"?>
 <ds:datastoreItem xmlns:ds="http://schemas.openxmlformats.org/officeDocument/2006/customXml" ds:itemID="{60C67BEE-D13F-4BD2-98A5-34D8A0977F68}">
   <ds:schemaRefs>
     <ds:schemaRef ds:uri="4873beb7-5857-4685-be1f-d57550cc96cc"/>
@@ -10616,14 +11048,6 @@
     <ds:schemaRef ds:uri="http://schemas.microsoft.com/office/infopath/2007/PartnerControls"/>
     <ds:schemaRef ds:uri="http://www.w3.org/XML/1998/namespace"/>
     <ds:schemaRef ds:uri="http://purl.org/dc/dcmitype/"/>
-  </ds:schemaRefs>
-</ds:datastoreItem>
-</file>
-
-<file path=customXml/itemProps2.xml><?xml version="1.0" encoding="utf-8"?>
-<ds:datastoreItem xmlns:ds="http://schemas.openxmlformats.org/officeDocument/2006/customXml" ds:itemID="{3836F65B-1B07-41EE-A0E8-BC6EF3855225}">
-  <ds:schemaRefs>
-    <ds:schemaRef ds:uri="http://schemas.microsoft.com/sharepoint/v3/contenttype/forms"/>
   </ds:schemaRefs>
 </ds:datastoreItem>
 </file>
